--- a/Project Presentation.pptx
+++ b/Project Presentation.pptx
@@ -4400,7 +4400,7 @@
           <a:p>
             <a:fld id="{2E429983-2871-4F79-9B24-A658DCC284B7}" type="datetimeFigureOut">
               <a:rPr lang="en-US" smtClean="0"/>
-              <a:t>12/30/2022</a:t>
+              <a:t>1/5/2023</a:t>
             </a:fld>
             <a:endParaRPr lang="en-US"/>
           </a:p>
@@ -4667,7 +4667,7 @@
           <a:p>
             <a:fld id="{2E429983-2871-4F79-9B24-A658DCC284B7}" type="datetimeFigureOut">
               <a:rPr lang="en-US" smtClean="0"/>
-              <a:t>12/30/2022</a:t>
+              <a:t>1/5/2023</a:t>
             </a:fld>
             <a:endParaRPr lang="en-US"/>
           </a:p>
@@ -4863,7 +4863,7 @@
           <a:p>
             <a:fld id="{2E429983-2871-4F79-9B24-A658DCC284B7}" type="datetimeFigureOut">
               <a:rPr lang="en-US" smtClean="0"/>
-              <a:t>12/30/2022</a:t>
+              <a:t>1/5/2023</a:t>
             </a:fld>
             <a:endParaRPr lang="en-US"/>
           </a:p>
@@ -5126,7 +5126,7 @@
           <a:p>
             <a:fld id="{2E429983-2871-4F79-9B24-A658DCC284B7}" type="datetimeFigureOut">
               <a:rPr lang="en-US" smtClean="0"/>
-              <a:t>12/30/2022</a:t>
+              <a:t>1/5/2023</a:t>
             </a:fld>
             <a:endParaRPr lang="en-US"/>
           </a:p>
@@ -5560,7 +5560,7 @@
           <a:p>
             <a:fld id="{2E429983-2871-4F79-9B24-A658DCC284B7}" type="datetimeFigureOut">
               <a:rPr lang="en-US" smtClean="0"/>
-              <a:t>12/30/2022</a:t>
+              <a:t>1/5/2023</a:t>
             </a:fld>
             <a:endParaRPr lang="en-US"/>
           </a:p>
@@ -6106,7 +6106,7 @@
           <a:p>
             <a:fld id="{2E429983-2871-4F79-9B24-A658DCC284B7}" type="datetimeFigureOut">
               <a:rPr lang="en-US" smtClean="0"/>
-              <a:t>12/30/2022</a:t>
+              <a:t>1/5/2023</a:t>
             </a:fld>
             <a:endParaRPr lang="en-US"/>
           </a:p>
@@ -6826,7 +6826,7 @@
           <a:p>
             <a:fld id="{2E429983-2871-4F79-9B24-A658DCC284B7}" type="datetimeFigureOut">
               <a:rPr lang="en-US" smtClean="0"/>
-              <a:t>12/30/2022</a:t>
+              <a:t>1/5/2023</a:t>
             </a:fld>
             <a:endParaRPr lang="en-US"/>
           </a:p>
@@ -6996,7 +6996,7 @@
           <a:p>
             <a:fld id="{2E429983-2871-4F79-9B24-A658DCC284B7}" type="datetimeFigureOut">
               <a:rPr lang="en-US" smtClean="0"/>
-              <a:t>12/30/2022</a:t>
+              <a:t>1/5/2023</a:t>
             </a:fld>
             <a:endParaRPr lang="en-US"/>
           </a:p>
@@ -7176,7 +7176,7 @@
           <a:p>
             <a:fld id="{2E429983-2871-4F79-9B24-A658DCC284B7}" type="datetimeFigureOut">
               <a:rPr lang="en-US" smtClean="0"/>
-              <a:t>12/30/2022</a:t>
+              <a:t>1/5/2023</a:t>
             </a:fld>
             <a:endParaRPr lang="en-US"/>
           </a:p>
@@ -7346,7 +7346,7 @@
           <a:p>
             <a:fld id="{2E429983-2871-4F79-9B24-A658DCC284B7}" type="datetimeFigureOut">
               <a:rPr lang="en-US" smtClean="0"/>
-              <a:t>12/30/2022</a:t>
+              <a:t>1/5/2023</a:t>
             </a:fld>
             <a:endParaRPr lang="en-US"/>
           </a:p>
@@ -7596,7 +7596,7 @@
           <a:p>
             <a:fld id="{2E429983-2871-4F79-9B24-A658DCC284B7}" type="datetimeFigureOut">
               <a:rPr lang="en-US" smtClean="0"/>
-              <a:t>12/30/2022</a:t>
+              <a:t>1/5/2023</a:t>
             </a:fld>
             <a:endParaRPr lang="en-US"/>
           </a:p>
@@ -7828,7 +7828,7 @@
           <a:p>
             <a:fld id="{2E429983-2871-4F79-9B24-A658DCC284B7}" type="datetimeFigureOut">
               <a:rPr lang="en-US" smtClean="0"/>
-              <a:t>12/30/2022</a:t>
+              <a:t>1/5/2023</a:t>
             </a:fld>
             <a:endParaRPr lang="en-US"/>
           </a:p>
@@ -8209,7 +8209,7 @@
           <a:p>
             <a:fld id="{2E429983-2871-4F79-9B24-A658DCC284B7}" type="datetimeFigureOut">
               <a:rPr lang="en-US" smtClean="0"/>
-              <a:t>12/30/2022</a:t>
+              <a:t>1/5/2023</a:t>
             </a:fld>
             <a:endParaRPr lang="en-US"/>
           </a:p>
@@ -8327,7 +8327,7 @@
           <a:p>
             <a:fld id="{2E429983-2871-4F79-9B24-A658DCC284B7}" type="datetimeFigureOut">
               <a:rPr lang="en-US" smtClean="0"/>
-              <a:t>12/30/2022</a:t>
+              <a:t>1/5/2023</a:t>
             </a:fld>
             <a:endParaRPr lang="en-US"/>
           </a:p>
@@ -8422,7 +8422,7 @@
           <a:p>
             <a:fld id="{2E429983-2871-4F79-9B24-A658DCC284B7}" type="datetimeFigureOut">
               <a:rPr lang="en-US" smtClean="0"/>
-              <a:t>12/30/2022</a:t>
+              <a:t>1/5/2023</a:t>
             </a:fld>
             <a:endParaRPr lang="en-US"/>
           </a:p>
@@ -8671,7 +8671,7 @@
           <a:p>
             <a:fld id="{2E429983-2871-4F79-9B24-A658DCC284B7}" type="datetimeFigureOut">
               <a:rPr lang="en-US" smtClean="0"/>
-              <a:t>12/30/2022</a:t>
+              <a:t>1/5/2023</a:t>
             </a:fld>
             <a:endParaRPr lang="en-US"/>
           </a:p>
@@ -8951,7 +8951,7 @@
           <a:p>
             <a:fld id="{2E429983-2871-4F79-9B24-A658DCC284B7}" type="datetimeFigureOut">
               <a:rPr lang="en-US" smtClean="0"/>
-              <a:t>12/30/2022</a:t>
+              <a:t>1/5/2023</a:t>
             </a:fld>
             <a:endParaRPr lang="en-US"/>
           </a:p>
@@ -12028,7 +12028,7 @@
           <a:p>
             <a:fld id="{2E429983-2871-4F79-9B24-A658DCC284B7}" type="datetimeFigureOut">
               <a:rPr lang="en-US" smtClean="0"/>
-              <a:t>12/30/2022</a:t>
+              <a:t>1/5/2023</a:t>
             </a:fld>
             <a:endParaRPr lang="en-US"/>
           </a:p>
@@ -12511,7 +12511,7 @@
         <p:spPr/>
         <p:txBody>
           <a:bodyPr>
-            <a:normAutofit fontScale="92500" lnSpcReduction="20000"/>
+            <a:normAutofit/>
           </a:bodyPr>
           <a:lstStyle/>
           <a:p>
@@ -12534,24 +12534,8 @@
           <a:p>
             <a:r>
               <a:rPr lang="en-US" dirty="0" smtClean="0"/>
-              <a:t>Ahmed </a:t>
+              <a:t>Ahmed essam</a:t>
             </a:r>
-            <a:r>
-              <a:rPr lang="en-US" dirty="0" err="1" smtClean="0"/>
-              <a:t>essam</a:t>
-            </a:r>
-            <a:endParaRPr lang="en-US" dirty="0" smtClean="0"/>
-          </a:p>
-          <a:p>
-            <a:r>
-              <a:rPr lang="en-US" dirty="0" smtClean="0"/>
-              <a:t>Ahmed </a:t>
-            </a:r>
-            <a:r>
-              <a:rPr lang="en-US" dirty="0" err="1" smtClean="0"/>
-              <a:t>walid</a:t>
-            </a:r>
-            <a:endParaRPr lang="en-US" dirty="0"/>
           </a:p>
         </p:txBody>
       </p:sp>
@@ -12625,6 +12609,13 @@
   <p:clrMapOvr>
     <a:masterClrMapping/>
   </p:clrMapOvr>
+  <p:timing>
+    <p:tnLst>
+      <p:par>
+        <p:cTn id="1" dur="indefinite" restart="never" nodeType="tmRoot"/>
+      </p:par>
+    </p:tnLst>
+  </p:timing>
 </p:sld>
 </file>
 
@@ -13240,6 +13231,13 @@
   <p:clrMapOvr>
     <a:masterClrMapping/>
   </p:clrMapOvr>
+  <p:timing>
+    <p:tnLst>
+      <p:par>
+        <p:cTn id="1" dur="indefinite" restart="never" nodeType="tmRoot"/>
+      </p:par>
+    </p:tnLst>
+  </p:timing>
 </p:sld>
 </file>
 
@@ -13322,6 +13320,13 @@
   <p:clrMapOvr>
     <a:masterClrMapping/>
   </p:clrMapOvr>
+  <p:timing>
+    <p:tnLst>
+      <p:par>
+        <p:cTn id="1" dur="indefinite" restart="never" nodeType="tmRoot"/>
+      </p:par>
+    </p:tnLst>
+  </p:timing>
 </p:sld>
 </file>
 
@@ -13654,6 +13659,13 @@
   <p:clrMapOvr>
     <a:masterClrMapping/>
   </p:clrMapOvr>
+  <p:timing>
+    <p:tnLst>
+      <p:par>
+        <p:cTn id="1" dur="indefinite" restart="never" nodeType="tmRoot"/>
+      </p:par>
+    </p:tnLst>
+  </p:timing>
 </p:sld>
 </file>
 
@@ -13946,6 +13958,13 @@
   <p:clrMapOvr>
     <a:masterClrMapping/>
   </p:clrMapOvr>
+  <p:timing>
+    <p:tnLst>
+      <p:par>
+        <p:cTn id="1" dur="indefinite" restart="never" nodeType="tmRoot"/>
+      </p:par>
+    </p:tnLst>
+  </p:timing>
 </p:sld>
 </file>
 
@@ -14104,6 +14123,13 @@
   <p:clrMapOvr>
     <a:masterClrMapping/>
   </p:clrMapOvr>
+  <p:timing>
+    <p:tnLst>
+      <p:par>
+        <p:cTn id="1" dur="indefinite" restart="never" nodeType="tmRoot"/>
+      </p:par>
+    </p:tnLst>
+  </p:timing>
 </p:sld>
 </file>
 
@@ -14171,8 +14197,8 @@
         </p:blipFill>
         <p:spPr>
           <a:xfrm>
-            <a:off x="4909962" y="2249488"/>
-            <a:ext cx="2913238" cy="4355540"/>
+            <a:off x="4909962" y="2249489"/>
+            <a:ext cx="2913237" cy="4355538"/>
           </a:xfrm>
         </p:spPr>
       </p:pic>
